--- a/TrabajoJDBC - Diana, Nzhdeh, Angela/ApuestasJDBC.pptx
+++ b/TrabajoJDBC - Diana, Nzhdeh, Angela/ApuestasJDBC.pptx
@@ -6910,13 +6910,8 @@
             <a:pPr algn="r"/>
             <a:r>
               <a:rPr lang="es-ES" sz="3200" dirty="0" smtClean="0"/>
-              <a:t>Diana </a:t>
-            </a:r>
-            <a:r>
-              <a:rPr lang="es-ES" sz="3200" dirty="0" smtClean="0"/>
-              <a:t>Bejarano</a:t>
-            </a:r>
-            <a:endParaRPr lang="es-ES" sz="3200" dirty="0" smtClean="0"/>
+              <a:t>Diana Bejarano</a:t>
+            </a:r>
           </a:p>
           <a:p>
             <a:pPr algn="r"/>
@@ -7026,11 +7021,7 @@
           <a:p>
             <a:r>
               <a:rPr lang="es-ES" dirty="0" smtClean="0"/>
-              <a:t>Estructura del programa (división de paquetes y clases</a:t>
-            </a:r>
-            <a:r>
-              <a:rPr lang="es-ES" dirty="0" smtClean="0"/>
-              <a:t>)</a:t>
+              <a:t>Estructura del programa (división de paquetes y clases)</a:t>
             </a:r>
           </a:p>
           <a:p>
@@ -7038,7 +7029,6 @@
               <a:rPr lang="es-ES" dirty="0" smtClean="0"/>
               <a:t>Modificaciones de la BBDD</a:t>
             </a:r>
-            <a:endParaRPr lang="es-ES" dirty="0" smtClean="0"/>
           </a:p>
           <a:p>
             <a:r>
@@ -7051,7 +7041,6 @@
               <a:rPr lang="es-ES" dirty="0" smtClean="0"/>
               <a:t>Pruebas requeridas</a:t>
             </a:r>
-            <a:endParaRPr lang="es-ES" dirty="0" smtClean="0"/>
           </a:p>
         </p:txBody>
       </p:sp>
@@ -7127,12 +7116,24 @@
         </p:nvSpPr>
         <p:spPr/>
         <p:txBody>
-          <a:bodyPr/>
+          <a:bodyPr>
+            <a:normAutofit lnSpcReduction="10000"/>
+          </a:bodyPr>
           <a:lstStyle/>
           <a:p>
             <a:r>
               <a:rPr lang="es-ES" dirty="0" smtClean="0"/>
-              <a:t>Realizar una apuesta</a:t>
+              <a:t>Crear usuario nuevo</a:t>
+            </a:r>
+          </a:p>
+          <a:p>
+            <a:r>
+              <a:rPr lang="es-ES" dirty="0" smtClean="0"/>
+              <a:t>Realizar </a:t>
+            </a:r>
+            <a:r>
+              <a:rPr lang="es-ES" dirty="0" smtClean="0"/>
+              <a:t>una apuesta</a:t>
             </a:r>
           </a:p>
           <a:p>
@@ -7180,7 +7181,9 @@
         </p:nvSpPr>
         <p:spPr/>
         <p:txBody>
-          <a:bodyPr/>
+          <a:bodyPr>
+            <a:normAutofit lnSpcReduction="10000"/>
+          </a:bodyPr>
           <a:lstStyle/>
           <a:p>
             <a:r>
